--- a/summer school project.pptx
+++ b/summer school project.pptx
@@ -5651,59 +5651,6 @@
           </a:p>
         </p:txBody>
       </p:sp>
-      <p:graphicFrame>
-        <p:nvGraphicFramePr>
-          <p:cNvPr id="7" name="对象 6"/>
-          <p:cNvGraphicFramePr>
-            <a:graphicFrameLocks noChangeAspect="1"/>
-          </p:cNvGraphicFramePr>
-          <p:nvPr>
-            <p:extLst/>
-          </p:nvPr>
-        </p:nvGraphicFramePr>
-        <p:xfrm>
-          <a:off x="1260660" y="3284984"/>
-          <a:ext cx="6622679" cy="1237884"/>
-        </p:xfrm>
-        <a:graphic>
-          <a:graphicData uri="http://schemas.openxmlformats.org/presentationml/2006/ole">
-            <mc:AlternateContent xmlns:mc="http://schemas.openxmlformats.org/markup-compatibility/2006">
-              <mc:Choice xmlns:v="urn:schemas-microsoft-com:vml" Requires="v">
-                <p:oleObj spid="_x0000_s1046" name="Equation" r:id="rId4" imgW="1358640" imgH="253800" progId="Equation.DSMT4">
-                  <p:embed/>
-                </p:oleObj>
-              </mc:Choice>
-              <mc:Fallback>
-                <p:oleObj name="Equation" r:id="rId4" imgW="1358640" imgH="253800" progId="Equation.DSMT4">
-                  <p:embed/>
-                  <p:pic>
-                    <p:nvPicPr>
-                      <p:cNvPr id="0" name=""/>
-                      <p:cNvPicPr/>
-                      <p:nvPr/>
-                    </p:nvPicPr>
-                    <p:blipFill>
-                      <a:blip r:embed="rId5"/>
-                      <a:stretch>
-                        <a:fillRect/>
-                      </a:stretch>
-                    </p:blipFill>
-                    <p:spPr>
-                      <a:xfrm>
-                        <a:off x="1260660" y="3284984"/>
-                        <a:ext cx="6622679" cy="1237884"/>
-                      </a:xfrm>
-                      <a:prstGeom prst="rect">
-                        <a:avLst/>
-                      </a:prstGeom>
-                    </p:spPr>
-                  </p:pic>
-                </p:oleObj>
-              </mc:Fallback>
-            </mc:AlternateContent>
-          </a:graphicData>
-        </a:graphic>
-      </p:graphicFrame>
       <p:sp>
         <p:nvSpPr>
           <p:cNvPr id="2" name="幻灯片编号占位符 1"/>
@@ -5740,6 +5687,210 @@
           </a:p>
         </p:txBody>
       </p:sp>
+      <mc:AlternateContent xmlns:mc="http://schemas.openxmlformats.org/markup-compatibility/2006">
+        <mc:Choice xmlns:a14="http://schemas.microsoft.com/office/drawing/2010/main" Requires="a14">
+          <p:sp>
+            <p:nvSpPr>
+              <p:cNvPr id="6" name="文本框 5">
+                <a:extLst>
+                  <a:ext uri="{FF2B5EF4-FFF2-40B4-BE49-F238E27FC236}">
+                    <a16:creationId xmlns:a16="http://schemas.microsoft.com/office/drawing/2014/main" id="{50A3BD15-5F7A-C240-88DA-6385BCD9B336}"/>
+                  </a:ext>
+                </a:extLst>
+              </p:cNvPr>
+              <p:cNvSpPr txBox="1"/>
+              <p:nvPr/>
+            </p:nvSpPr>
+            <p:spPr>
+              <a:xfrm>
+                <a:off x="867182" y="3539256"/>
+                <a:ext cx="7409635" cy="830997"/>
+              </a:xfrm>
+              <a:prstGeom prst="rect">
+                <a:avLst/>
+              </a:prstGeom>
+              <a:noFill/>
+            </p:spPr>
+            <p:txBody>
+              <a:bodyPr wrap="square" lIns="0" tIns="0" rIns="0" bIns="0" rtlCol="0">
+                <a:spAutoFit/>
+              </a:bodyPr>
+              <a:lstStyle/>
+              <a:p>
+                <a14:m>
+                  <m:oMathPara xmlns:m="http://schemas.openxmlformats.org/officeDocument/2006/math">
+                    <m:oMathParaPr>
+                      <m:jc m:val="centerGroup"/>
+                    </m:oMathParaPr>
+                    <m:oMath xmlns:m="http://schemas.openxmlformats.org/officeDocument/2006/math">
+                      <m:r>
+                        <a:rPr kumimoji="1" lang="en-US" altLang="zh-CN" sz="5400" b="0" i="1" smtClean="0">
+                          <a:latin typeface="Cambria Math" panose="02040503050406030204" pitchFamily="18" charset="0"/>
+                        </a:rPr>
+                        <m:t>𝑓</m:t>
+                      </m:r>
+                      <m:d>
+                        <m:dPr>
+                          <m:ctrlPr>
+                            <a:rPr kumimoji="1" lang="en-US" altLang="zh-CN" sz="5400" b="0" i="1" smtClean="0">
+                              <a:latin typeface="Cambria Math" panose="02040503050406030204" pitchFamily="18" charset="0"/>
+                            </a:rPr>
+                          </m:ctrlPr>
+                        </m:dPr>
+                        <m:e>
+                          <m:r>
+                            <a:rPr kumimoji="1" lang="en-US" altLang="zh-CN" sz="5400" b="0" i="1" smtClean="0">
+                              <a:latin typeface="Cambria Math" panose="02040503050406030204" pitchFamily="18" charset="0"/>
+                            </a:rPr>
+                            <m:t>h</m:t>
+                          </m:r>
+                          <m:r>
+                            <a:rPr kumimoji="1" lang="en-US" altLang="zh-CN" sz="5400" b="0" i="1" smtClean="0">
+                              <a:latin typeface="Cambria Math" panose="02040503050406030204" pitchFamily="18" charset="0"/>
+                            </a:rPr>
+                            <m:t>,</m:t>
+                          </m:r>
+                          <m:r>
+                            <a:rPr kumimoji="1" lang="en-US" altLang="zh-CN" sz="5400" b="0" i="1" smtClean="0">
+                              <a:latin typeface="Cambria Math" panose="02040503050406030204" pitchFamily="18" charset="0"/>
+                            </a:rPr>
+                            <m:t>𝑟</m:t>
+                          </m:r>
+                          <m:r>
+                            <a:rPr kumimoji="1" lang="en-US" altLang="zh-CN" sz="5400" b="0" i="1" smtClean="0">
+                              <a:latin typeface="Cambria Math" panose="02040503050406030204" pitchFamily="18" charset="0"/>
+                            </a:rPr>
+                            <m:t>,</m:t>
+                          </m:r>
+                          <m:r>
+                            <a:rPr kumimoji="1" lang="en-US" altLang="zh-CN" sz="5400" b="0" i="1" smtClean="0">
+                              <a:latin typeface="Cambria Math" panose="02040503050406030204" pitchFamily="18" charset="0"/>
+                            </a:rPr>
+                            <m:t>𝑡</m:t>
+                          </m:r>
+                        </m:e>
+                      </m:d>
+                      <m:r>
+                        <a:rPr kumimoji="1" lang="en-US" altLang="zh-CN" sz="5400" b="0" i="1" smtClean="0">
+                          <a:latin typeface="Cambria Math" panose="02040503050406030204" pitchFamily="18" charset="0"/>
+                        </a:rPr>
+                        <m:t>=</m:t>
+                      </m:r>
+                      <m:sSub>
+                        <m:sSubPr>
+                          <m:ctrlPr>
+                            <a:rPr kumimoji="1" lang="en-US" altLang="zh-CN" sz="5400" b="0" i="1" smtClean="0">
+                              <a:latin typeface="Cambria Math" panose="02040503050406030204" pitchFamily="18" charset="0"/>
+                            </a:rPr>
+                          </m:ctrlPr>
+                        </m:sSubPr>
+                        <m:e>
+                          <m:d>
+                            <m:dPr>
+                              <m:begChr m:val="‖"/>
+                              <m:endChr m:val="‖"/>
+                              <m:ctrlPr>
+                                <a:rPr kumimoji="1" lang="en-US" altLang="zh-CN" sz="5400" i="1">
+                                  <a:latin typeface="Cambria Math" panose="02040503050406030204" pitchFamily="18" charset="0"/>
+                                </a:rPr>
+                              </m:ctrlPr>
+                            </m:dPr>
+                            <m:e>
+                              <m:r>
+                                <a:rPr kumimoji="1" lang="en-US" altLang="zh-CN" sz="5400" b="1" i="0">
+                                  <a:latin typeface="Cambria Math" panose="02040503050406030204" pitchFamily="18" charset="0"/>
+                                </a:rPr>
+                                <m:t>𝐡</m:t>
+                              </m:r>
+                              <m:r>
+                                <a:rPr kumimoji="1" lang="en-US" altLang="zh-CN" sz="5400" i="1">
+                                  <a:latin typeface="Cambria Math" panose="02040503050406030204" pitchFamily="18" charset="0"/>
+                                </a:rPr>
+                                <m:t>+</m:t>
+                              </m:r>
+                              <m:r>
+                                <a:rPr kumimoji="1" lang="en-US" altLang="zh-CN" sz="5400" b="1" i="0">
+                                  <a:latin typeface="Cambria Math" panose="02040503050406030204" pitchFamily="18" charset="0"/>
+                                </a:rPr>
+                                <m:t>𝐫</m:t>
+                              </m:r>
+                              <m:r>
+                                <a:rPr kumimoji="1" lang="en-US" altLang="zh-CN" sz="5400" i="1">
+                                  <a:latin typeface="Cambria Math" panose="02040503050406030204" pitchFamily="18" charset="0"/>
+                                </a:rPr>
+                                <m:t>−</m:t>
+                              </m:r>
+                              <m:r>
+                                <a:rPr kumimoji="1" lang="en-US" altLang="zh-CN" sz="5400" b="1" i="0">
+                                  <a:latin typeface="Cambria Math" panose="02040503050406030204" pitchFamily="18" charset="0"/>
+                                </a:rPr>
+                                <m:t>𝐭</m:t>
+                              </m:r>
+                            </m:e>
+                          </m:d>
+                        </m:e>
+                        <m:sub>
+                          <m:r>
+                            <a:rPr kumimoji="1" lang="en-US" altLang="zh-CN" sz="5400" b="0" i="1" smtClean="0">
+                              <a:latin typeface="Cambria Math" panose="02040503050406030204" pitchFamily="18" charset="0"/>
+                            </a:rPr>
+                            <m:t>1</m:t>
+                          </m:r>
+                        </m:sub>
+                      </m:sSub>
+                    </m:oMath>
+                  </m:oMathPara>
+                </a14:m>
+                <a:endParaRPr kumimoji="1" lang="zh-CN" altLang="en-US" sz="5400" dirty="0"/>
+              </a:p>
+            </p:txBody>
+          </p:sp>
+        </mc:Choice>
+        <mc:Fallback>
+          <p:sp>
+            <p:nvSpPr>
+              <p:cNvPr id="6" name="文本框 5">
+                <a:extLst>
+                  <a:ext uri="{FF2B5EF4-FFF2-40B4-BE49-F238E27FC236}">
+                    <a16:creationId xmlns:a16="http://schemas.microsoft.com/office/drawing/2014/main" id="{50A3BD15-5F7A-C240-88DA-6385BCD9B336}"/>
+                  </a:ext>
+                </a:extLst>
+              </p:cNvPr>
+              <p:cNvSpPr txBox="1">
+                <a:spLocks noRot="1" noChangeAspect="1" noMove="1" noResize="1" noEditPoints="1" noAdjustHandles="1" noChangeArrowheads="1" noChangeShapeType="1" noTextEdit="1"/>
+              </p:cNvSpPr>
+              <p:nvPr/>
+            </p:nvSpPr>
+            <p:spPr>
+              <a:xfrm>
+                <a:off x="867182" y="3539256"/>
+                <a:ext cx="7409635" cy="830997"/>
+              </a:xfrm>
+              <a:prstGeom prst="rect">
+                <a:avLst/>
+              </a:prstGeom>
+              <a:blipFill>
+                <a:blip r:embed="rId3"/>
+                <a:stretch>
+                  <a:fillRect l="-1880" b="-33333"/>
+                </a:stretch>
+              </a:blipFill>
+            </p:spPr>
+            <p:txBody>
+              <a:bodyPr/>
+              <a:lstStyle/>
+              <a:p>
+                <a:r>
+                  <a:rPr lang="zh-CN" altLang="en-US">
+                    <a:noFill/>
+                  </a:rPr>
+                  <a:t> </a:t>
+                </a:r>
+              </a:p>
+            </p:txBody>
+          </p:sp>
+        </mc:Fallback>
+      </mc:AlternateContent>
     </p:spTree>
     <p:extLst>
       <p:ext uri="{BB962C8B-B14F-4D97-AF65-F5344CB8AC3E}">
@@ -5803,28 +5954,32 @@
       </p:sp>
       <p:graphicFrame>
         <p:nvGraphicFramePr>
-          <p:cNvPr id="7" name="对象 6"/>
+          <p:cNvPr id="9" name="对象 8"/>
           <p:cNvGraphicFramePr>
             <a:graphicFrameLocks noChangeAspect="1"/>
           </p:cNvGraphicFramePr>
           <p:nvPr>
-            <p:extLst/>
+            <p:extLst>
+              <p:ext uri="{D42A27DB-BD31-4B8C-83A1-F6EECF244321}">
+                <p14:modId xmlns:p14="http://schemas.microsoft.com/office/powerpoint/2010/main" val="4193488226"/>
+              </p:ext>
+            </p:extLst>
           </p:nvPr>
         </p:nvGraphicFramePr>
         <p:xfrm>
-          <a:off x="2487419" y="1237921"/>
-          <a:ext cx="2605664" cy="487040"/>
+          <a:off x="1632520" y="4290139"/>
+          <a:ext cx="432048" cy="432048"/>
         </p:xfrm>
         <a:graphic>
           <a:graphicData uri="http://schemas.openxmlformats.org/presentationml/2006/ole">
             <mc:AlternateContent xmlns:mc="http://schemas.openxmlformats.org/markup-compatibility/2006">
               <mc:Choice xmlns:v="urn:schemas-microsoft-com:vml" Requires="v">
-                <p:oleObj spid="_x0000_s2130" name="Equation" r:id="rId4" imgW="1358640" imgH="253800" progId="Equation.DSMT4">
+                <p:oleObj spid="_x0000_s2151" name="Equation" r:id="rId4" imgW="101520" imgH="114120" progId="Equation.DSMT4">
                   <p:embed/>
                 </p:oleObj>
               </mc:Choice>
               <mc:Fallback>
-                <p:oleObj name="Equation" r:id="rId4" imgW="1358640" imgH="253800" progId="Equation.DSMT4">
+                <p:oleObj name="Equation" r:id="rId4" imgW="101520" imgH="114120" progId="Equation.DSMT4">
                   <p:embed/>
                   <p:pic>
                     <p:nvPicPr>
@@ -5840,60 +5995,7 @@
                     </p:blipFill>
                     <p:spPr>
                       <a:xfrm>
-                        <a:off x="2487419" y="1237921"/>
-                        <a:ext cx="2605664" cy="487040"/>
-                      </a:xfrm>
-                      <a:prstGeom prst="rect">
-                        <a:avLst/>
-                      </a:prstGeom>
-                    </p:spPr>
-                  </p:pic>
-                </p:oleObj>
-              </mc:Fallback>
-            </mc:AlternateContent>
-          </a:graphicData>
-        </a:graphic>
-      </p:graphicFrame>
-      <p:graphicFrame>
-        <p:nvGraphicFramePr>
-          <p:cNvPr id="9" name="对象 8"/>
-          <p:cNvGraphicFramePr>
-            <a:graphicFrameLocks noChangeAspect="1"/>
-          </p:cNvGraphicFramePr>
-          <p:nvPr>
-            <p:extLst/>
-          </p:nvPr>
-        </p:nvGraphicFramePr>
-        <p:xfrm>
-          <a:off x="1772005" y="5085184"/>
-          <a:ext cx="432048" cy="432048"/>
-        </p:xfrm>
-        <a:graphic>
-          <a:graphicData uri="http://schemas.openxmlformats.org/presentationml/2006/ole">
-            <mc:AlternateContent xmlns:mc="http://schemas.openxmlformats.org/markup-compatibility/2006">
-              <mc:Choice xmlns:v="urn:schemas-microsoft-com:vml" Requires="v">
-                <p:oleObj spid="_x0000_s2131" name="Equation" r:id="rId6" imgW="101520" imgH="114120" progId="Equation.DSMT4">
-                  <p:embed/>
-                </p:oleObj>
-              </mc:Choice>
-              <mc:Fallback>
-                <p:oleObj name="Equation" r:id="rId6" imgW="101520" imgH="114120" progId="Equation.DSMT4">
-                  <p:embed/>
-                  <p:pic>
-                    <p:nvPicPr>
-                      <p:cNvPr id="0" name=""/>
-                      <p:cNvPicPr/>
-                      <p:nvPr/>
-                    </p:nvPicPr>
-                    <p:blipFill>
-                      <a:blip r:embed="rId7"/>
-                      <a:stretch>
-                        <a:fillRect/>
-                      </a:stretch>
-                    </p:blipFill>
-                    <p:spPr>
-                      <a:xfrm>
-                        <a:off x="1772005" y="5085184"/>
+                        <a:off x="1632520" y="4290139"/>
                         <a:ext cx="432048" cy="432048"/>
                       </a:xfrm>
                       <a:prstGeom prst="rect">
@@ -5914,23 +6016,27 @@
             <a:graphicFrameLocks noChangeAspect="1"/>
           </p:cNvGraphicFramePr>
           <p:nvPr>
-            <p:extLst/>
+            <p:extLst>
+              <p:ext uri="{D42A27DB-BD31-4B8C-83A1-F6EECF244321}">
+                <p14:modId xmlns:p14="http://schemas.microsoft.com/office/powerpoint/2010/main" val="53447015"/>
+              </p:ext>
+            </p:extLst>
           </p:nvPr>
         </p:nvGraphicFramePr>
         <p:xfrm>
-          <a:off x="1772005" y="5697294"/>
+          <a:off x="1632520" y="4902249"/>
           <a:ext cx="539750" cy="479425"/>
         </p:xfrm>
         <a:graphic>
           <a:graphicData uri="http://schemas.openxmlformats.org/presentationml/2006/ole">
             <mc:AlternateContent xmlns:mc="http://schemas.openxmlformats.org/markup-compatibility/2006">
               <mc:Choice xmlns:v="urn:schemas-microsoft-com:vml" Requires="v">
-                <p:oleObj spid="_x0000_s2132" name="Equation" r:id="rId8" imgW="126720" imgH="126720" progId="Equation.DSMT4">
+                <p:oleObj spid="_x0000_s2152" name="Equation" r:id="rId6" imgW="126720" imgH="126720" progId="Equation.DSMT4">
                   <p:embed/>
                 </p:oleObj>
               </mc:Choice>
               <mc:Fallback>
-                <p:oleObj name="Equation" r:id="rId8" imgW="126720" imgH="126720" progId="Equation.DSMT4">
+                <p:oleObj name="Equation" r:id="rId6" imgW="126720" imgH="126720" progId="Equation.DSMT4">
                   <p:embed/>
                   <p:pic>
                     <p:nvPicPr>
@@ -5941,7 +6047,7 @@
                       <p:nvPr/>
                     </p:nvPicPr>
                     <p:blipFill>
-                      <a:blip r:embed="rId9"/>
+                      <a:blip r:embed="rId7"/>
                       <a:srcRect/>
                       <a:stretch>
                         <a:fillRect/>
@@ -5949,7 +6055,7 @@
                     </p:blipFill>
                     <p:spPr bwMode="auto">
                       <a:xfrm>
-                        <a:off x="1772005" y="5697294"/>
+                        <a:off x="1632520" y="4902249"/>
                         <a:ext cx="539750" cy="479425"/>
                       </a:xfrm>
                       <a:prstGeom prst="rect">
@@ -5986,59 +6092,6 @@
           </a:graphicData>
         </a:graphic>
       </p:graphicFrame>
-      <p:graphicFrame>
-        <p:nvGraphicFramePr>
-          <p:cNvPr id="12" name="对象 11"/>
-          <p:cNvGraphicFramePr>
-            <a:graphicFrameLocks noChangeAspect="1"/>
-          </p:cNvGraphicFramePr>
-          <p:nvPr>
-            <p:extLst/>
-          </p:nvPr>
-        </p:nvGraphicFramePr>
-        <p:xfrm>
-          <a:off x="2605438" y="4002449"/>
-          <a:ext cx="2628855" cy="542032"/>
-        </p:xfrm>
-        <a:graphic>
-          <a:graphicData uri="http://schemas.openxmlformats.org/presentationml/2006/ole">
-            <mc:AlternateContent xmlns:mc="http://schemas.openxmlformats.org/markup-compatibility/2006">
-              <mc:Choice xmlns:v="urn:schemas-microsoft-com:vml" Requires="v">
-                <p:oleObj spid="_x0000_s2133" name="Equation" r:id="rId10" imgW="1231560" imgH="253800" progId="Equation.DSMT4">
-                  <p:embed/>
-                </p:oleObj>
-              </mc:Choice>
-              <mc:Fallback>
-                <p:oleObj name="Equation" r:id="rId10" imgW="1231560" imgH="253800" progId="Equation.DSMT4">
-                  <p:embed/>
-                  <p:pic>
-                    <p:nvPicPr>
-                      <p:cNvPr id="0" name=""/>
-                      <p:cNvPicPr/>
-                      <p:nvPr/>
-                    </p:nvPicPr>
-                    <p:blipFill>
-                      <a:blip r:embed="rId11"/>
-                      <a:stretch>
-                        <a:fillRect/>
-                      </a:stretch>
-                    </p:blipFill>
-                    <p:spPr>
-                      <a:xfrm>
-                        <a:off x="2605438" y="4002449"/>
-                        <a:ext cx="2628855" cy="542032"/>
-                      </a:xfrm>
-                      <a:prstGeom prst="rect">
-                        <a:avLst/>
-                      </a:prstGeom>
-                    </p:spPr>
-                  </p:pic>
-                </p:oleObj>
-              </mc:Fallback>
-            </mc:AlternateContent>
-          </a:graphicData>
-        </a:graphic>
-      </p:graphicFrame>
       <p:pic>
         <p:nvPicPr>
           <p:cNvPr id="2" name="图片 1"/>
@@ -6048,7 +6101,7 @@
           <p:nvPr/>
         </p:nvPicPr>
         <p:blipFill>
-          <a:blip r:embed="rId12"/>
+          <a:blip r:embed="rId8"/>
           <a:stretch>
             <a:fillRect/>
           </a:stretch>
@@ -6072,7 +6125,7 @@
           <p:nvPr/>
         </p:nvPicPr>
         <p:blipFill>
-          <a:blip r:embed="rId13"/>
+          <a:blip r:embed="rId9"/>
           <a:stretch>
             <a:fillRect/>
           </a:stretch>
@@ -6095,7 +6148,7 @@
         </p:nvSpPr>
         <p:spPr>
           <a:xfrm>
-            <a:off x="2411760" y="5085184"/>
+            <a:off x="2272275" y="4290139"/>
             <a:ext cx="2238113" cy="461665"/>
           </a:xfrm>
           <a:prstGeom prst="rect">
@@ -6278,7 +6331,7 @@
         </p:nvSpPr>
         <p:spPr>
           <a:xfrm>
-            <a:off x="2404255" y="5715054"/>
+            <a:off x="2264770" y="4920009"/>
             <a:ext cx="3978974" cy="461665"/>
           </a:xfrm>
           <a:prstGeom prst="rect">
@@ -6380,43 +6433,6 @@
               <a:t>KG</a:t>
             </a:r>
             <a:endParaRPr lang="zh-CN" altLang="en-US" sz="2400" dirty="0">
-              <a:latin typeface="DengXian" charset="-122"/>
-              <a:ea typeface="DengXian" charset="-122"/>
-              <a:cs typeface="DengXian" charset="-122"/>
-            </a:endParaRPr>
-          </a:p>
-        </p:txBody>
-      </p:sp>
-      <p:sp>
-        <p:nvSpPr>
-          <p:cNvPr id="18" name="矩形 17"/>
-          <p:cNvSpPr/>
-          <p:nvPr/>
-        </p:nvSpPr>
-        <p:spPr>
-          <a:xfrm>
-            <a:off x="1137385" y="4028529"/>
-            <a:ext cx="829073" cy="523220"/>
-          </a:xfrm>
-          <a:prstGeom prst="rect">
-            <a:avLst/>
-          </a:prstGeom>
-        </p:spPr>
-        <p:txBody>
-          <a:bodyPr wrap="none">
-            <a:spAutoFit/>
-          </a:bodyPr>
-          <a:lstStyle/>
-          <a:p>
-            <a:r>
-              <a:rPr lang="en-US" altLang="zh-CN" sz="2800">
-                <a:latin typeface="DengXian" charset="-122"/>
-                <a:ea typeface="DengXian" charset="-122"/>
-                <a:cs typeface="DengXian" charset="-122"/>
-              </a:rPr>
-              <a:t>w.r.t</a:t>
-            </a:r>
-            <a:endParaRPr lang="zh-CN" altLang="en-US" sz="2800" dirty="0">
               <a:latin typeface="DengXian" charset="-122"/>
               <a:ea typeface="DengXian" charset="-122"/>
               <a:cs typeface="DengXian" charset="-122"/>
@@ -6497,6 +6513,210 @@
           </a:p>
         </p:txBody>
       </p:sp>
+      <mc:AlternateContent xmlns:mc="http://schemas.openxmlformats.org/markup-compatibility/2006">
+        <mc:Choice xmlns:a14="http://schemas.microsoft.com/office/drawing/2010/main" Requires="a14">
+          <p:sp>
+            <p:nvSpPr>
+              <p:cNvPr id="5" name="文本框 4">
+                <a:extLst>
+                  <a:ext uri="{FF2B5EF4-FFF2-40B4-BE49-F238E27FC236}">
+                    <a16:creationId xmlns:a16="http://schemas.microsoft.com/office/drawing/2014/main" id="{9B769695-F0D4-5546-B7C5-4A9574CED4B5}"/>
+                  </a:ext>
+                </a:extLst>
+              </p:cNvPr>
+              <p:cNvSpPr txBox="1"/>
+              <p:nvPr/>
+            </p:nvSpPr>
+            <p:spPr>
+              <a:xfrm>
+                <a:off x="2555775" y="1389106"/>
+                <a:ext cx="3473065" cy="369332"/>
+              </a:xfrm>
+              <a:prstGeom prst="rect">
+                <a:avLst/>
+              </a:prstGeom>
+              <a:noFill/>
+            </p:spPr>
+            <p:txBody>
+              <a:bodyPr wrap="square" lIns="0" tIns="0" rIns="0" bIns="0" rtlCol="0">
+                <a:spAutoFit/>
+              </a:bodyPr>
+              <a:lstStyle/>
+              <a:p>
+                <a14:m>
+                  <m:oMathPara xmlns:m="http://schemas.openxmlformats.org/officeDocument/2006/math">
+                    <m:oMathParaPr>
+                      <m:jc m:val="centerGroup"/>
+                    </m:oMathParaPr>
+                    <m:oMath xmlns:m="http://schemas.openxmlformats.org/officeDocument/2006/math">
+                      <m:r>
+                        <a:rPr kumimoji="1" lang="en-US" altLang="zh-CN" sz="2400" b="0" i="1" smtClean="0">
+                          <a:latin typeface="Cambria Math" panose="02040503050406030204" pitchFamily="18" charset="0"/>
+                        </a:rPr>
+                        <m:t>𝑓</m:t>
+                      </m:r>
+                      <m:d>
+                        <m:dPr>
+                          <m:ctrlPr>
+                            <a:rPr kumimoji="1" lang="en-US" altLang="zh-CN" sz="2400" b="0" i="1" smtClean="0">
+                              <a:latin typeface="Cambria Math" panose="02040503050406030204" pitchFamily="18" charset="0"/>
+                            </a:rPr>
+                          </m:ctrlPr>
+                        </m:dPr>
+                        <m:e>
+                          <m:r>
+                            <a:rPr kumimoji="1" lang="en-US" altLang="zh-CN" sz="2400" b="0" i="1" smtClean="0">
+                              <a:latin typeface="Cambria Math" panose="02040503050406030204" pitchFamily="18" charset="0"/>
+                            </a:rPr>
+                            <m:t>h</m:t>
+                          </m:r>
+                          <m:r>
+                            <a:rPr kumimoji="1" lang="en-US" altLang="zh-CN" sz="2400" b="0" i="1" smtClean="0">
+                              <a:latin typeface="Cambria Math" panose="02040503050406030204" pitchFamily="18" charset="0"/>
+                            </a:rPr>
+                            <m:t>,</m:t>
+                          </m:r>
+                          <m:r>
+                            <a:rPr kumimoji="1" lang="en-US" altLang="zh-CN" sz="2400" b="0" i="1" smtClean="0">
+                              <a:latin typeface="Cambria Math" panose="02040503050406030204" pitchFamily="18" charset="0"/>
+                            </a:rPr>
+                            <m:t>𝑟</m:t>
+                          </m:r>
+                          <m:r>
+                            <a:rPr kumimoji="1" lang="en-US" altLang="zh-CN" sz="2400" b="0" i="1" smtClean="0">
+                              <a:latin typeface="Cambria Math" panose="02040503050406030204" pitchFamily="18" charset="0"/>
+                            </a:rPr>
+                            <m:t>,</m:t>
+                          </m:r>
+                          <m:r>
+                            <a:rPr kumimoji="1" lang="en-US" altLang="zh-CN" sz="2400" b="0" i="1" smtClean="0">
+                              <a:latin typeface="Cambria Math" panose="02040503050406030204" pitchFamily="18" charset="0"/>
+                            </a:rPr>
+                            <m:t>𝑡</m:t>
+                          </m:r>
+                        </m:e>
+                      </m:d>
+                      <m:r>
+                        <a:rPr kumimoji="1" lang="en-US" altLang="zh-CN" sz="2400" b="0" i="1" smtClean="0">
+                          <a:latin typeface="Cambria Math" panose="02040503050406030204" pitchFamily="18" charset="0"/>
+                        </a:rPr>
+                        <m:t>=</m:t>
+                      </m:r>
+                      <m:sSub>
+                        <m:sSubPr>
+                          <m:ctrlPr>
+                            <a:rPr kumimoji="1" lang="en-US" altLang="zh-CN" sz="2400" b="0" i="1" smtClean="0">
+                              <a:latin typeface="Cambria Math" panose="02040503050406030204" pitchFamily="18" charset="0"/>
+                            </a:rPr>
+                          </m:ctrlPr>
+                        </m:sSubPr>
+                        <m:e>
+                          <m:d>
+                            <m:dPr>
+                              <m:begChr m:val="‖"/>
+                              <m:endChr m:val="‖"/>
+                              <m:ctrlPr>
+                                <a:rPr kumimoji="1" lang="en-US" altLang="zh-CN" sz="2400" i="1">
+                                  <a:latin typeface="Cambria Math" panose="02040503050406030204" pitchFamily="18" charset="0"/>
+                                </a:rPr>
+                              </m:ctrlPr>
+                            </m:dPr>
+                            <m:e>
+                              <m:r>
+                                <a:rPr kumimoji="1" lang="en-US" altLang="zh-CN" sz="2400" b="1" i="0">
+                                  <a:latin typeface="Cambria Math" panose="02040503050406030204" pitchFamily="18" charset="0"/>
+                                </a:rPr>
+                                <m:t>𝐡</m:t>
+                              </m:r>
+                              <m:r>
+                                <a:rPr kumimoji="1" lang="en-US" altLang="zh-CN" sz="2400" i="1">
+                                  <a:latin typeface="Cambria Math" panose="02040503050406030204" pitchFamily="18" charset="0"/>
+                                </a:rPr>
+                                <m:t>+</m:t>
+                              </m:r>
+                              <m:r>
+                                <a:rPr kumimoji="1" lang="en-US" altLang="zh-CN" sz="2400" b="1" i="0">
+                                  <a:latin typeface="Cambria Math" panose="02040503050406030204" pitchFamily="18" charset="0"/>
+                                </a:rPr>
+                                <m:t>𝐫</m:t>
+                              </m:r>
+                              <m:r>
+                                <a:rPr kumimoji="1" lang="en-US" altLang="zh-CN" sz="2400" i="1">
+                                  <a:latin typeface="Cambria Math" panose="02040503050406030204" pitchFamily="18" charset="0"/>
+                                </a:rPr>
+                                <m:t>−</m:t>
+                              </m:r>
+                              <m:r>
+                                <a:rPr kumimoji="1" lang="en-US" altLang="zh-CN" sz="2400" b="1" i="0">
+                                  <a:latin typeface="Cambria Math" panose="02040503050406030204" pitchFamily="18" charset="0"/>
+                                </a:rPr>
+                                <m:t>𝐭</m:t>
+                              </m:r>
+                            </m:e>
+                          </m:d>
+                        </m:e>
+                        <m:sub>
+                          <m:r>
+                            <a:rPr kumimoji="1" lang="en-US" altLang="zh-CN" sz="2400" b="0" i="1" smtClean="0">
+                              <a:latin typeface="Cambria Math" panose="02040503050406030204" pitchFamily="18" charset="0"/>
+                            </a:rPr>
+                            <m:t>1</m:t>
+                          </m:r>
+                        </m:sub>
+                      </m:sSub>
+                    </m:oMath>
+                  </m:oMathPara>
+                </a14:m>
+                <a:endParaRPr kumimoji="1" lang="zh-CN" altLang="en-US" sz="2400" dirty="0"/>
+              </a:p>
+            </p:txBody>
+          </p:sp>
+        </mc:Choice>
+        <mc:Fallback>
+          <p:sp>
+            <p:nvSpPr>
+              <p:cNvPr id="5" name="文本框 4">
+                <a:extLst>
+                  <a:ext uri="{FF2B5EF4-FFF2-40B4-BE49-F238E27FC236}">
+                    <a16:creationId xmlns:a16="http://schemas.microsoft.com/office/drawing/2014/main" id="{9B769695-F0D4-5546-B7C5-4A9574CED4B5}"/>
+                  </a:ext>
+                </a:extLst>
+              </p:cNvPr>
+              <p:cNvSpPr txBox="1">
+                <a:spLocks noRot="1" noChangeAspect="1" noMove="1" noResize="1" noEditPoints="1" noAdjustHandles="1" noChangeArrowheads="1" noChangeShapeType="1" noTextEdit="1"/>
+              </p:cNvSpPr>
+              <p:nvPr/>
+            </p:nvSpPr>
+            <p:spPr>
+              <a:xfrm>
+                <a:off x="2555775" y="1389106"/>
+                <a:ext cx="3473065" cy="369332"/>
+              </a:xfrm>
+              <a:prstGeom prst="rect">
+                <a:avLst/>
+              </a:prstGeom>
+              <a:blipFill>
+                <a:blip r:embed="rId10"/>
+                <a:stretch>
+                  <a:fillRect b="-33333"/>
+                </a:stretch>
+              </a:blipFill>
+            </p:spPr>
+            <p:txBody>
+              <a:bodyPr/>
+              <a:lstStyle/>
+              <a:p>
+                <a:r>
+                  <a:rPr lang="zh-CN" altLang="en-US">
+                    <a:noFill/>
+                  </a:rPr>
+                  <a:t> </a:t>
+                </a:r>
+              </a:p>
+            </p:txBody>
+          </p:sp>
+        </mc:Fallback>
+      </mc:AlternateContent>
     </p:spTree>
     <p:extLst>
       <p:ext uri="{BB962C8B-B14F-4D97-AF65-F5344CB8AC3E}">

--- a/summer school project.pptx
+++ b/summer school project.pptx
@@ -5325,7 +5325,7 @@
         </p:nvSpPr>
         <p:spPr>
           <a:xfrm>
-            <a:off x="1716090" y="5873550"/>
+            <a:off x="1678419" y="5568501"/>
             <a:ext cx="5787162" cy="646331"/>
           </a:xfrm>
           <a:prstGeom prst="rect">
@@ -5472,6 +5472,77 @@
           </a:prstGeom>
         </p:spPr>
       </p:pic>
+      <p:sp>
+        <p:nvSpPr>
+          <p:cNvPr id="5" name="矩形 4">
+            <a:extLst>
+              <a:ext uri="{FF2B5EF4-FFF2-40B4-BE49-F238E27FC236}">
+                <a16:creationId xmlns:a16="http://schemas.microsoft.com/office/drawing/2014/main" id="{60636CD3-A723-3F4B-8E40-FF0B83CE7F80}"/>
+              </a:ext>
+            </a:extLst>
+          </p:cNvPr>
+          <p:cNvSpPr/>
+          <p:nvPr/>
+        </p:nvSpPr>
+        <p:spPr>
+          <a:xfrm>
+            <a:off x="170892" y="6403302"/>
+            <a:ext cx="8802216" cy="369332"/>
+          </a:xfrm>
+          <a:prstGeom prst="rect">
+            <a:avLst/>
+          </a:prstGeom>
+        </p:spPr>
+        <p:txBody>
+          <a:bodyPr wrap="square">
+            <a:spAutoFit/>
+          </a:bodyPr>
+          <a:lstStyle/>
+          <a:p>
+            <a:pPr algn="just"/>
+            <a:r>
+              <a:rPr lang="en-US" altLang="zh-CN" dirty="0" err="1">
+                <a:solidFill>
+                  <a:srgbClr val="222222"/>
+                </a:solidFill>
+                <a:ea typeface="Times New Roman" charset="0"/>
+                <a:cs typeface="Times New Roman" charset="0"/>
+              </a:rPr>
+              <a:t>Bordes</a:t>
+            </a:r>
+            <a:r>
+              <a:rPr lang="en-US" altLang="zh-CN" dirty="0">
+                <a:solidFill>
+                  <a:srgbClr val="222222"/>
+                </a:solidFill>
+                <a:ea typeface="Times New Roman" charset="0"/>
+                <a:cs typeface="Times New Roman" charset="0"/>
+              </a:rPr>
+              <a:t>, et</a:t>
+            </a:r>
+            <a:r>
+              <a:rPr lang="zh-CN" altLang="en-US" dirty="0">
+                <a:solidFill>
+                  <a:srgbClr val="222222"/>
+                </a:solidFill>
+                <a:ea typeface="Times New Roman" charset="0"/>
+                <a:cs typeface="Times New Roman" charset="0"/>
+              </a:rPr>
+              <a:t> </a:t>
+            </a:r>
+            <a:r>
+              <a:rPr lang="en-US" altLang="zh-CN" dirty="0">
+                <a:solidFill>
+                  <a:srgbClr val="222222"/>
+                </a:solidFill>
+                <a:ea typeface="Times New Roman" charset="0"/>
+                <a:cs typeface="Times New Roman" charset="0"/>
+              </a:rPr>
+              <a:t>al. (2013). Translating Embeddings for Modeling Multi-relational Data.  NIPS.</a:t>
+            </a:r>
+          </a:p>
+        </p:txBody>
+      </p:sp>
     </p:spTree>
     <p:extLst>
       <p:ext uri="{BB962C8B-B14F-4D97-AF65-F5344CB8AC3E}">
@@ -5687,8 +5758,8 @@
           </a:p>
         </p:txBody>
       </p:sp>
-      <mc:AlternateContent xmlns:mc="http://schemas.openxmlformats.org/markup-compatibility/2006">
-        <mc:Choice xmlns:a14="http://schemas.microsoft.com/office/drawing/2010/main" Requires="a14">
+      <mc:AlternateContent xmlns:mc="http://schemas.openxmlformats.org/markup-compatibility/2006" xmlns:a14="http://schemas.microsoft.com/office/drawing/2010/main">
+        <mc:Choice Requires="a14">
           <p:sp>
             <p:nvSpPr>
               <p:cNvPr id="6" name="文本框 5">
@@ -5717,6 +5788,7 @@
               </a:bodyPr>
               <a:lstStyle/>
               <a:p>
+                <a:pPr/>
                 <a14:m>
                   <m:oMathPara xmlns:m="http://schemas.openxmlformats.org/officeDocument/2006/math">
                     <m:oMathParaPr>
@@ -5846,7 +5918,7 @@
             </p:txBody>
           </p:sp>
         </mc:Choice>
-        <mc:Fallback>
+        <mc:Fallback xmlns="">
           <p:sp>
             <p:nvSpPr>
               <p:cNvPr id="6" name="文本框 5">
@@ -5974,7 +6046,7 @@
           <a:graphicData uri="http://schemas.openxmlformats.org/presentationml/2006/ole">
             <mc:AlternateContent xmlns:mc="http://schemas.openxmlformats.org/markup-compatibility/2006">
               <mc:Choice xmlns:v="urn:schemas-microsoft-com:vml" Requires="v">
-                <p:oleObj spid="_x0000_s2151" name="Equation" r:id="rId4" imgW="101520" imgH="114120" progId="Equation.DSMT4">
+                <p:oleObj spid="_x0000_s2157" name="Equation" r:id="rId4" imgW="101520" imgH="114120" progId="Equation.DSMT4">
                   <p:embed/>
                 </p:oleObj>
               </mc:Choice>
@@ -6031,7 +6103,7 @@
           <a:graphicData uri="http://schemas.openxmlformats.org/presentationml/2006/ole">
             <mc:AlternateContent xmlns:mc="http://schemas.openxmlformats.org/markup-compatibility/2006">
               <mc:Choice xmlns:v="urn:schemas-microsoft-com:vml" Requires="v">
-                <p:oleObj spid="_x0000_s2152" name="Equation" r:id="rId6" imgW="126720" imgH="126720" progId="Equation.DSMT4">
+                <p:oleObj spid="_x0000_s2158" name="Equation" r:id="rId6" imgW="126720" imgH="126720" progId="Equation.DSMT4">
                   <p:embed/>
                 </p:oleObj>
               </mc:Choice>
@@ -6513,8 +6585,8 @@
           </a:p>
         </p:txBody>
       </p:sp>
-      <mc:AlternateContent xmlns:mc="http://schemas.openxmlformats.org/markup-compatibility/2006">
-        <mc:Choice xmlns:a14="http://schemas.microsoft.com/office/drawing/2010/main" Requires="a14">
+      <mc:AlternateContent xmlns:mc="http://schemas.openxmlformats.org/markup-compatibility/2006" xmlns:a14="http://schemas.microsoft.com/office/drawing/2010/main">
+        <mc:Choice Requires="a14">
           <p:sp>
             <p:nvSpPr>
               <p:cNvPr id="5" name="文本框 4">
@@ -6543,6 +6615,7 @@
               </a:bodyPr>
               <a:lstStyle/>
               <a:p>
+                <a:pPr/>
                 <a14:m>
                   <m:oMathPara xmlns:m="http://schemas.openxmlformats.org/officeDocument/2006/math">
                     <m:oMathParaPr>
@@ -6672,7 +6745,7 @@
             </p:txBody>
           </p:sp>
         </mc:Choice>
-        <mc:Fallback>
+        <mc:Fallback xmlns="">
           <p:sp>
             <p:nvSpPr>
               <p:cNvPr id="5" name="文本框 4">
